--- a/BIOTS Project Slides Template.pptx
+++ b/BIOTS Project Slides Template.pptx
@@ -10,7 +10,7 @@
   <p:sldIdLst>
     <p:sldId id="256" r:id="rId2"/>
     <p:sldId id="258" r:id="rId3"/>
-    <p:sldId id="260" r:id="rId4"/>
+    <p:sldId id="262" r:id="rId4"/>
     <p:sldId id="259" r:id="rId5"/>
     <p:sldId id="261" r:id="rId6"/>
   </p:sldIdLst>
@@ -3961,27 +3961,7 @@
                 <a:latin typeface="Arial" charset="0"/>
                 <a:cs typeface="Arial" charset="0"/>
               </a:rPr>
-              <a:t>- </a:t>
-            </a:r>
-            <a:r>
-              <a:rPr lang="en-US" sz="3300" dirty="0" err="1">
-                <a:solidFill>
-                  <a:schemeClr val="tx1"/>
-                </a:solidFill>
-                <a:latin typeface="Arial" charset="0"/>
-                <a:cs typeface="Arial" charset="0"/>
-              </a:rPr>
-              <a:t>Incentivise</a:t>
-            </a:r>
-            <a:r>
-              <a:rPr lang="en-US" sz="3300" dirty="0">
-                <a:solidFill>
-                  <a:schemeClr val="tx1"/>
-                </a:solidFill>
-                <a:latin typeface="Arial" charset="0"/>
-                <a:cs typeface="Arial" charset="0"/>
-              </a:rPr>
-              <a:t> sustainable energy production</a:t>
+              <a:t>- Incentivize sustainable energy production</a:t>
             </a:r>
             <a:br>
               <a:rPr lang="en-US" sz="3300" dirty="0">
@@ -4035,16 +4015,870 @@
           <a:chExt cx="0" cy="0"/>
         </a:xfrm>
       </p:grpSpPr>
+      <p:pic>
+        <p:nvPicPr>
+          <p:cNvPr id="5" name="Grafik 4" descr="Ein Bild, das Text, Karte enthält.&#10;&#10;Mit sehr hoher Zuverlässigkeit generierte Beschreibung">
+            <a:extLst>
+              <a:ext uri="{FF2B5EF4-FFF2-40B4-BE49-F238E27FC236}">
+                <a16:creationId xmlns:a16="http://schemas.microsoft.com/office/drawing/2014/main" id="{1EBEF5EC-F411-4122-993B-B51BCB64ECCF}"/>
+              </a:ext>
+            </a:extLst>
+          </p:cNvPr>
+          <p:cNvPicPr>
+            <a:picLocks noChangeAspect="1"/>
+          </p:cNvPicPr>
+          <p:nvPr/>
+        </p:nvPicPr>
+        <p:blipFill>
+          <a:blip r:embed="rId2"/>
+          <a:stretch>
+            <a:fillRect/>
+          </a:stretch>
+        </p:blipFill>
+        <p:spPr>
+          <a:xfrm>
+            <a:off x="3749477" y="1853683"/>
+            <a:ext cx="4693045" cy="2545976"/>
+          </a:xfrm>
+          <a:prstGeom prst="rect">
+            <a:avLst/>
+          </a:prstGeom>
+        </p:spPr>
+      </p:pic>
+      <p:pic>
+        <p:nvPicPr>
+          <p:cNvPr id="3" name="Grafik 2" descr="Ein Bild, das Text, Karte, Uhr, Objekt enthält.&#10;&#10;Mit hoher Zuverlässigkeit generierte Beschreibung">
+            <a:extLst>
+              <a:ext uri="{FF2B5EF4-FFF2-40B4-BE49-F238E27FC236}">
+                <a16:creationId xmlns:a16="http://schemas.microsoft.com/office/drawing/2014/main" id="{158CB330-8660-4D10-9B9A-ACDF75839A4A}"/>
+              </a:ext>
+            </a:extLst>
+          </p:cNvPr>
+          <p:cNvPicPr>
+            <a:picLocks noChangeAspect="1"/>
+          </p:cNvPicPr>
+          <p:nvPr/>
+        </p:nvPicPr>
+        <p:blipFill>
+          <a:blip r:embed="rId3"/>
+          <a:stretch>
+            <a:fillRect/>
+          </a:stretch>
+        </p:blipFill>
+        <p:spPr>
+          <a:xfrm>
+            <a:off x="720337" y="1207248"/>
+            <a:ext cx="3475655" cy="3707364"/>
+          </a:xfrm>
+          <a:prstGeom prst="rect">
+            <a:avLst/>
+          </a:prstGeom>
+        </p:spPr>
+      </p:pic>
+      <p:pic>
+        <p:nvPicPr>
+          <p:cNvPr id="7" name="Grafik 6" descr="Ein Bild, das Text, Karte enthält.&#10;&#10;Mit sehr hoher Zuverlässigkeit generierte Beschreibung">
+            <a:extLst>
+              <a:ext uri="{FF2B5EF4-FFF2-40B4-BE49-F238E27FC236}">
+                <a16:creationId xmlns:a16="http://schemas.microsoft.com/office/drawing/2014/main" id="{3C304292-F670-422E-ACC8-75E40172FE27}"/>
+              </a:ext>
+            </a:extLst>
+          </p:cNvPr>
+          <p:cNvPicPr>
+            <a:picLocks noChangeAspect="1"/>
+          </p:cNvPicPr>
+          <p:nvPr/>
+        </p:nvPicPr>
+        <p:blipFill>
+          <a:blip r:embed="rId4"/>
+          <a:stretch>
+            <a:fillRect/>
+          </a:stretch>
+        </p:blipFill>
+        <p:spPr>
+          <a:xfrm>
+            <a:off x="8309409" y="1992605"/>
+            <a:ext cx="3517120" cy="2136650"/>
+          </a:xfrm>
+          <a:prstGeom prst="rect">
+            <a:avLst/>
+          </a:prstGeom>
+        </p:spPr>
+      </p:pic>
     </p:spTree>
     <p:extLst>
       <p:ext uri="{BB962C8B-B14F-4D97-AF65-F5344CB8AC3E}">
-        <p14:creationId xmlns:p14="http://schemas.microsoft.com/office/powerpoint/2010/main" val="173405992"/>
+        <p14:creationId xmlns:p14="http://schemas.microsoft.com/office/powerpoint/2010/main" val="668808763"/>
       </p:ext>
     </p:extLst>
   </p:cSld>
   <p:clrMapOvr>
     <a:masterClrMapping/>
   </p:clrMapOvr>
+  <p:timing>
+    <p:tnLst>
+      <p:par>
+        <p:cTn id="1" dur="indefinite" restart="never" nodeType="tmRoot">
+          <p:childTnLst>
+            <p:seq concurrent="1" nextAc="seek">
+              <p:cTn id="2" dur="indefinite" nodeType="mainSeq">
+                <p:childTnLst>
+                  <p:par>
+                    <p:cTn id="3" fill="hold">
+                      <p:stCondLst>
+                        <p:cond delay="indefinite"/>
+                      </p:stCondLst>
+                      <p:childTnLst>
+                        <p:par>
+                          <p:cTn id="4" fill="hold">
+                            <p:stCondLst>
+                              <p:cond delay="0"/>
+                            </p:stCondLst>
+                            <p:childTnLst>
+                              <p:par>
+                                <p:cTn id="5" presetID="1" presetClass="exit" presetSubtype="0" fill="hold" nodeType="clickEffect">
+                                  <p:stCondLst>
+                                    <p:cond delay="0"/>
+                                  </p:stCondLst>
+                                  <p:childTnLst>
+                                    <p:set>
+                                      <p:cBhvr>
+                                        <p:cTn id="6" dur="1" fill="hold">
+                                          <p:stCondLst>
+                                            <p:cond delay="0"/>
+                                          </p:stCondLst>
+                                        </p:cTn>
+                                        <p:tgtEl>
+                                          <p:spTgt spid="5"/>
+                                        </p:tgtEl>
+                                        <p:attrNameLst>
+                                          <p:attrName>style.visibility</p:attrName>
+                                        </p:attrNameLst>
+                                      </p:cBhvr>
+                                      <p:to>
+                                        <p:strVal val="hidden"/>
+                                      </p:to>
+                                    </p:set>
+                                  </p:childTnLst>
+                                </p:cTn>
+                              </p:par>
+                            </p:childTnLst>
+                          </p:cTn>
+                        </p:par>
+                      </p:childTnLst>
+                    </p:cTn>
+                  </p:par>
+                  <p:par>
+                    <p:cTn id="7" fill="hold">
+                      <p:stCondLst>
+                        <p:cond delay="indefinite"/>
+                      </p:stCondLst>
+                      <p:childTnLst>
+                        <p:par>
+                          <p:cTn id="8" fill="hold">
+                            <p:stCondLst>
+                              <p:cond delay="0"/>
+                            </p:stCondLst>
+                            <p:childTnLst>
+                              <p:par>
+                                <p:cTn id="9" presetID="1" presetClass="exit" presetSubtype="0" fill="hold" nodeType="clickEffect">
+                                  <p:stCondLst>
+                                    <p:cond delay="0"/>
+                                  </p:stCondLst>
+                                  <p:childTnLst>
+                                    <p:set>
+                                      <p:cBhvr>
+                                        <p:cTn id="10" dur="1" fill="hold">
+                                          <p:stCondLst>
+                                            <p:cond delay="0"/>
+                                          </p:stCondLst>
+                                        </p:cTn>
+                                        <p:tgtEl>
+                                          <p:spTgt spid="7"/>
+                                        </p:tgtEl>
+                                        <p:attrNameLst>
+                                          <p:attrName>style.visibility</p:attrName>
+                                        </p:attrNameLst>
+                                      </p:cBhvr>
+                                      <p:to>
+                                        <p:strVal val="hidden"/>
+                                      </p:to>
+                                    </p:set>
+                                  </p:childTnLst>
+                                </p:cTn>
+                              </p:par>
+                            </p:childTnLst>
+                          </p:cTn>
+                        </p:par>
+                      </p:childTnLst>
+                    </p:cTn>
+                  </p:par>
+                  <p:par>
+                    <p:cTn id="11" fill="hold">
+                      <p:stCondLst>
+                        <p:cond delay="indefinite"/>
+                      </p:stCondLst>
+                      <p:childTnLst>
+                        <p:par>
+                          <p:cTn id="12" fill="hold">
+                            <p:stCondLst>
+                              <p:cond delay="0"/>
+                            </p:stCondLst>
+                            <p:childTnLst>
+                              <p:par>
+                                <p:cTn id="13" presetID="0" presetClass="path" presetSubtype="0" accel="50000" decel="50000" fill="hold" nodeType="clickEffect">
+                                  <p:stCondLst>
+                                    <p:cond delay="0"/>
+                                  </p:stCondLst>
+                                  <p:childTnLst>
+                                    <p:animMotion origin="layout" path="M -0.0013 -0.01135 L 0.33399 -0.01829 " pathEditMode="relative" rAng="0" ptsTypes="AA">
+                                      <p:cBhvr>
+                                        <p:cTn id="14" dur="2000" fill="hold"/>
+                                        <p:tgtEl>
+                                          <p:spTgt spid="3"/>
+                                        </p:tgtEl>
+                                        <p:attrNameLst>
+                                          <p:attrName>ppt_x</p:attrName>
+                                          <p:attrName>ppt_y</p:attrName>
+                                        </p:attrNameLst>
+                                      </p:cBhvr>
+                                      <p:rCtr x="16758" y="-347"/>
+                                    </p:animMotion>
+                                  </p:childTnLst>
+                                </p:cTn>
+                              </p:par>
+                            </p:childTnLst>
+                          </p:cTn>
+                        </p:par>
+                      </p:childTnLst>
+                    </p:cTn>
+                  </p:par>
+                  <p:par>
+                    <p:cTn id="15" fill="hold">
+                      <p:stCondLst>
+                        <p:cond delay="indefinite"/>
+                      </p:stCondLst>
+                      <p:childTnLst>
+                        <p:par>
+                          <p:cTn id="16" fill="hold">
+                            <p:stCondLst>
+                              <p:cond delay="0"/>
+                            </p:stCondLst>
+                            <p:childTnLst>
+                              <p:par>
+                                <p:cTn id="17" presetID="6" presetClass="emph" presetSubtype="0" fill="hold" nodeType="clickEffect">
+                                  <p:stCondLst>
+                                    <p:cond delay="0"/>
+                                  </p:stCondLst>
+                                  <p:childTnLst>
+                                    <p:animScale>
+                                      <p:cBhvr>
+                                        <p:cTn id="18" dur="250" fill="hold"/>
+                                        <p:tgtEl>
+                                          <p:spTgt spid="3"/>
+                                        </p:tgtEl>
+                                      </p:cBhvr>
+                                      <p:by x="150000" y="150000"/>
+                                    </p:animScale>
+                                  </p:childTnLst>
+                                </p:cTn>
+                              </p:par>
+                            </p:childTnLst>
+                          </p:cTn>
+                        </p:par>
+                      </p:childTnLst>
+                    </p:cTn>
+                  </p:par>
+                  <p:par>
+                    <p:cTn id="19" fill="hold">
+                      <p:stCondLst>
+                        <p:cond delay="indefinite"/>
+                      </p:stCondLst>
+                      <p:childTnLst>
+                        <p:par>
+                          <p:cTn id="20" fill="hold">
+                            <p:stCondLst>
+                              <p:cond delay="0"/>
+                            </p:stCondLst>
+                            <p:childTnLst>
+                              <p:par>
+                                <p:cTn id="21" presetID="31" presetClass="exit" presetSubtype="0" fill="hold" nodeType="clickEffect">
+                                  <p:stCondLst>
+                                    <p:cond delay="0"/>
+                                  </p:stCondLst>
+                                  <p:childTnLst>
+                                    <p:anim calcmode="lin" valueType="num">
+                                      <p:cBhvr>
+                                        <p:cTn id="22" dur="1000"/>
+                                        <p:tgtEl>
+                                          <p:spTgt spid="3"/>
+                                        </p:tgtEl>
+                                        <p:attrNameLst>
+                                          <p:attrName>ppt_w</p:attrName>
+                                        </p:attrNameLst>
+                                      </p:cBhvr>
+                                      <p:tavLst>
+                                        <p:tav tm="0">
+                                          <p:val>
+                                            <p:strVal val="ppt_w"/>
+                                          </p:val>
+                                        </p:tav>
+                                        <p:tav tm="100000">
+                                          <p:val>
+                                            <p:fltVal val="0"/>
+                                          </p:val>
+                                        </p:tav>
+                                      </p:tavLst>
+                                    </p:anim>
+                                    <p:anim calcmode="lin" valueType="num">
+                                      <p:cBhvr>
+                                        <p:cTn id="23" dur="1000"/>
+                                        <p:tgtEl>
+                                          <p:spTgt spid="3"/>
+                                        </p:tgtEl>
+                                        <p:attrNameLst>
+                                          <p:attrName>ppt_h</p:attrName>
+                                        </p:attrNameLst>
+                                      </p:cBhvr>
+                                      <p:tavLst>
+                                        <p:tav tm="0">
+                                          <p:val>
+                                            <p:strVal val="ppt_h"/>
+                                          </p:val>
+                                        </p:tav>
+                                        <p:tav tm="100000">
+                                          <p:val>
+                                            <p:fltVal val="0"/>
+                                          </p:val>
+                                        </p:tav>
+                                      </p:tavLst>
+                                    </p:anim>
+                                    <p:anim calcmode="lin" valueType="num">
+                                      <p:cBhvr>
+                                        <p:cTn id="24" dur="1000"/>
+                                        <p:tgtEl>
+                                          <p:spTgt spid="3"/>
+                                        </p:tgtEl>
+                                        <p:attrNameLst>
+                                          <p:attrName>style.rotation</p:attrName>
+                                        </p:attrNameLst>
+                                      </p:cBhvr>
+                                      <p:tavLst>
+                                        <p:tav tm="0">
+                                          <p:val>
+                                            <p:fltVal val="0"/>
+                                          </p:val>
+                                        </p:tav>
+                                        <p:tav tm="100000">
+                                          <p:val>
+                                            <p:fltVal val="90"/>
+                                          </p:val>
+                                        </p:tav>
+                                      </p:tavLst>
+                                    </p:anim>
+                                    <p:animEffect transition="out" filter="fade">
+                                      <p:cBhvr>
+                                        <p:cTn id="25" dur="1000"/>
+                                        <p:tgtEl>
+                                          <p:spTgt spid="3"/>
+                                        </p:tgtEl>
+                                      </p:cBhvr>
+                                    </p:animEffect>
+                                    <p:set>
+                                      <p:cBhvr>
+                                        <p:cTn id="26" dur="1" fill="hold">
+                                          <p:stCondLst>
+                                            <p:cond delay="999"/>
+                                          </p:stCondLst>
+                                        </p:cTn>
+                                        <p:tgtEl>
+                                          <p:spTgt spid="3"/>
+                                        </p:tgtEl>
+                                        <p:attrNameLst>
+                                          <p:attrName>style.visibility</p:attrName>
+                                        </p:attrNameLst>
+                                      </p:cBhvr>
+                                      <p:to>
+                                        <p:strVal val="hidden"/>
+                                      </p:to>
+                                    </p:set>
+                                  </p:childTnLst>
+                                </p:cTn>
+                              </p:par>
+                            </p:childTnLst>
+                          </p:cTn>
+                        </p:par>
+                      </p:childTnLst>
+                    </p:cTn>
+                  </p:par>
+                  <p:par>
+                    <p:cTn id="27" fill="hold">
+                      <p:stCondLst>
+                        <p:cond delay="indefinite"/>
+                      </p:stCondLst>
+                      <p:childTnLst>
+                        <p:par>
+                          <p:cTn id="28" fill="hold">
+                            <p:stCondLst>
+                              <p:cond delay="0"/>
+                            </p:stCondLst>
+                            <p:childTnLst>
+                              <p:par>
+                                <p:cTn id="29" presetID="1" presetClass="entr" presetSubtype="0" fill="hold" nodeType="clickEffect">
+                                  <p:stCondLst>
+                                    <p:cond delay="0"/>
+                                  </p:stCondLst>
+                                  <p:childTnLst>
+                                    <p:set>
+                                      <p:cBhvr>
+                                        <p:cTn id="30" dur="1" fill="hold">
+                                          <p:stCondLst>
+                                            <p:cond delay="0"/>
+                                          </p:stCondLst>
+                                        </p:cTn>
+                                        <p:tgtEl>
+                                          <p:spTgt spid="5"/>
+                                        </p:tgtEl>
+                                        <p:attrNameLst>
+                                          <p:attrName>style.visibility</p:attrName>
+                                        </p:attrNameLst>
+                                      </p:cBhvr>
+                                      <p:to>
+                                        <p:strVal val="visible"/>
+                                      </p:to>
+                                    </p:set>
+                                  </p:childTnLst>
+                                </p:cTn>
+                              </p:par>
+                            </p:childTnLst>
+                          </p:cTn>
+                        </p:par>
+                      </p:childTnLst>
+                    </p:cTn>
+                  </p:par>
+                  <p:par>
+                    <p:cTn id="31" fill="hold">
+                      <p:stCondLst>
+                        <p:cond delay="indefinite"/>
+                      </p:stCondLst>
+                      <p:childTnLst>
+                        <p:par>
+                          <p:cTn id="32" fill="hold">
+                            <p:stCondLst>
+                              <p:cond delay="0"/>
+                            </p:stCondLst>
+                            <p:childTnLst>
+                              <p:par>
+                                <p:cTn id="33" presetID="6" presetClass="emph" presetSubtype="0" fill="hold" nodeType="clickEffect">
+                                  <p:stCondLst>
+                                    <p:cond delay="0"/>
+                                  </p:stCondLst>
+                                  <p:childTnLst>
+                                    <p:animScale>
+                                      <p:cBhvr>
+                                        <p:cTn id="34" dur="250" fill="hold"/>
+                                        <p:tgtEl>
+                                          <p:spTgt spid="5"/>
+                                        </p:tgtEl>
+                                      </p:cBhvr>
+                                      <p:by x="150000" y="150000"/>
+                                    </p:animScale>
+                                  </p:childTnLst>
+                                </p:cTn>
+                              </p:par>
+                            </p:childTnLst>
+                          </p:cTn>
+                        </p:par>
+                      </p:childTnLst>
+                    </p:cTn>
+                  </p:par>
+                  <p:par>
+                    <p:cTn id="35" fill="hold">
+                      <p:stCondLst>
+                        <p:cond delay="indefinite"/>
+                      </p:stCondLst>
+                      <p:childTnLst>
+                        <p:par>
+                          <p:cTn id="36" fill="hold">
+                            <p:stCondLst>
+                              <p:cond delay="0"/>
+                            </p:stCondLst>
+                            <p:childTnLst>
+                              <p:par>
+                                <p:cTn id="37" presetID="31" presetClass="exit" presetSubtype="0" fill="hold" nodeType="clickEffect">
+                                  <p:stCondLst>
+                                    <p:cond delay="0"/>
+                                  </p:stCondLst>
+                                  <p:childTnLst>
+                                    <p:anim calcmode="lin" valueType="num">
+                                      <p:cBhvr>
+                                        <p:cTn id="38" dur="1000"/>
+                                        <p:tgtEl>
+                                          <p:spTgt spid="5"/>
+                                        </p:tgtEl>
+                                        <p:attrNameLst>
+                                          <p:attrName>ppt_w</p:attrName>
+                                        </p:attrNameLst>
+                                      </p:cBhvr>
+                                      <p:tavLst>
+                                        <p:tav tm="0">
+                                          <p:val>
+                                            <p:strVal val="ppt_w"/>
+                                          </p:val>
+                                        </p:tav>
+                                        <p:tav tm="100000">
+                                          <p:val>
+                                            <p:fltVal val="0"/>
+                                          </p:val>
+                                        </p:tav>
+                                      </p:tavLst>
+                                    </p:anim>
+                                    <p:anim calcmode="lin" valueType="num">
+                                      <p:cBhvr>
+                                        <p:cTn id="39" dur="1000"/>
+                                        <p:tgtEl>
+                                          <p:spTgt spid="5"/>
+                                        </p:tgtEl>
+                                        <p:attrNameLst>
+                                          <p:attrName>ppt_h</p:attrName>
+                                        </p:attrNameLst>
+                                      </p:cBhvr>
+                                      <p:tavLst>
+                                        <p:tav tm="0">
+                                          <p:val>
+                                            <p:strVal val="ppt_h"/>
+                                          </p:val>
+                                        </p:tav>
+                                        <p:tav tm="100000">
+                                          <p:val>
+                                            <p:fltVal val="0"/>
+                                          </p:val>
+                                        </p:tav>
+                                      </p:tavLst>
+                                    </p:anim>
+                                    <p:anim calcmode="lin" valueType="num">
+                                      <p:cBhvr>
+                                        <p:cTn id="40" dur="1000"/>
+                                        <p:tgtEl>
+                                          <p:spTgt spid="5"/>
+                                        </p:tgtEl>
+                                        <p:attrNameLst>
+                                          <p:attrName>style.rotation</p:attrName>
+                                        </p:attrNameLst>
+                                      </p:cBhvr>
+                                      <p:tavLst>
+                                        <p:tav tm="0">
+                                          <p:val>
+                                            <p:fltVal val="0"/>
+                                          </p:val>
+                                        </p:tav>
+                                        <p:tav tm="100000">
+                                          <p:val>
+                                            <p:fltVal val="90"/>
+                                          </p:val>
+                                        </p:tav>
+                                      </p:tavLst>
+                                    </p:anim>
+                                    <p:animEffect transition="out" filter="fade">
+                                      <p:cBhvr>
+                                        <p:cTn id="41" dur="1000"/>
+                                        <p:tgtEl>
+                                          <p:spTgt spid="5"/>
+                                        </p:tgtEl>
+                                      </p:cBhvr>
+                                    </p:animEffect>
+                                    <p:set>
+                                      <p:cBhvr>
+                                        <p:cTn id="42" dur="1" fill="hold">
+                                          <p:stCondLst>
+                                            <p:cond delay="999"/>
+                                          </p:stCondLst>
+                                        </p:cTn>
+                                        <p:tgtEl>
+                                          <p:spTgt spid="5"/>
+                                        </p:tgtEl>
+                                        <p:attrNameLst>
+                                          <p:attrName>style.visibility</p:attrName>
+                                        </p:attrNameLst>
+                                      </p:cBhvr>
+                                      <p:to>
+                                        <p:strVal val="hidden"/>
+                                      </p:to>
+                                    </p:set>
+                                  </p:childTnLst>
+                                </p:cTn>
+                              </p:par>
+                            </p:childTnLst>
+                          </p:cTn>
+                        </p:par>
+                      </p:childTnLst>
+                    </p:cTn>
+                  </p:par>
+                  <p:par>
+                    <p:cTn id="43" fill="hold">
+                      <p:stCondLst>
+                        <p:cond delay="indefinite"/>
+                      </p:stCondLst>
+                      <p:childTnLst>
+                        <p:par>
+                          <p:cTn id="44" fill="hold">
+                            <p:stCondLst>
+                              <p:cond delay="0"/>
+                            </p:stCondLst>
+                            <p:childTnLst>
+                              <p:par>
+                                <p:cTn id="45" presetID="1" presetClass="entr" presetSubtype="0" fill="hold" nodeType="clickEffect">
+                                  <p:stCondLst>
+                                    <p:cond delay="0"/>
+                                  </p:stCondLst>
+                                  <p:childTnLst>
+                                    <p:set>
+                                      <p:cBhvr>
+                                        <p:cTn id="46" dur="1" fill="hold">
+                                          <p:stCondLst>
+                                            <p:cond delay="0"/>
+                                          </p:stCondLst>
+                                        </p:cTn>
+                                        <p:tgtEl>
+                                          <p:spTgt spid="7"/>
+                                        </p:tgtEl>
+                                        <p:attrNameLst>
+                                          <p:attrName>style.visibility</p:attrName>
+                                        </p:attrNameLst>
+                                      </p:cBhvr>
+                                      <p:to>
+                                        <p:strVal val="visible"/>
+                                      </p:to>
+                                    </p:set>
+                                  </p:childTnLst>
+                                </p:cTn>
+                              </p:par>
+                            </p:childTnLst>
+                          </p:cTn>
+                        </p:par>
+                      </p:childTnLst>
+                    </p:cTn>
+                  </p:par>
+                  <p:par>
+                    <p:cTn id="47" fill="hold">
+                      <p:stCondLst>
+                        <p:cond delay="indefinite"/>
+                      </p:stCondLst>
+                      <p:childTnLst>
+                        <p:par>
+                          <p:cTn id="48" fill="hold">
+                            <p:stCondLst>
+                              <p:cond delay="0"/>
+                            </p:stCondLst>
+                            <p:childTnLst>
+                              <p:par>
+                                <p:cTn id="49" presetID="0" presetClass="path" presetSubtype="0" accel="50000" decel="50000" fill="hold" nodeType="clickEffect">
+                                  <p:stCondLst>
+                                    <p:cond delay="0"/>
+                                  </p:stCondLst>
+                                  <p:childTnLst>
+                                    <p:animMotion origin="layout" path="M -0.0164 -0.01598 L -0.29544 -0.01505 " pathEditMode="relative" rAng="0" ptsTypes="AA">
+                                      <p:cBhvr>
+                                        <p:cTn id="50" dur="2000" fill="hold"/>
+                                        <p:tgtEl>
+                                          <p:spTgt spid="7"/>
+                                        </p:tgtEl>
+                                        <p:attrNameLst>
+                                          <p:attrName>ppt_x</p:attrName>
+                                          <p:attrName>ppt_y</p:attrName>
+                                        </p:attrNameLst>
+                                      </p:cBhvr>
+                                      <p:rCtr x="-13958" y="46"/>
+                                    </p:animMotion>
+                                  </p:childTnLst>
+                                </p:cTn>
+                              </p:par>
+                            </p:childTnLst>
+                          </p:cTn>
+                        </p:par>
+                      </p:childTnLst>
+                    </p:cTn>
+                  </p:par>
+                  <p:par>
+                    <p:cTn id="51" fill="hold">
+                      <p:stCondLst>
+                        <p:cond delay="indefinite"/>
+                      </p:stCondLst>
+                      <p:childTnLst>
+                        <p:par>
+                          <p:cTn id="52" fill="hold">
+                            <p:stCondLst>
+                              <p:cond delay="0"/>
+                            </p:stCondLst>
+                            <p:childTnLst>
+                              <p:par>
+                                <p:cTn id="53" presetID="6" presetClass="emph" presetSubtype="0" fill="hold" nodeType="clickEffect">
+                                  <p:stCondLst>
+                                    <p:cond delay="0"/>
+                                  </p:stCondLst>
+                                  <p:childTnLst>
+                                    <p:animScale>
+                                      <p:cBhvr>
+                                        <p:cTn id="54" dur="250" fill="hold"/>
+                                        <p:tgtEl>
+                                          <p:spTgt spid="7"/>
+                                        </p:tgtEl>
+                                      </p:cBhvr>
+                                      <p:by x="200000" y="200000"/>
+                                    </p:animScale>
+                                  </p:childTnLst>
+                                </p:cTn>
+                              </p:par>
+                            </p:childTnLst>
+                          </p:cTn>
+                        </p:par>
+                      </p:childTnLst>
+                    </p:cTn>
+                  </p:par>
+                  <p:par>
+                    <p:cTn id="55" fill="hold">
+                      <p:stCondLst>
+                        <p:cond delay="indefinite"/>
+                      </p:stCondLst>
+                      <p:childTnLst>
+                        <p:par>
+                          <p:cTn id="56" fill="hold">
+                            <p:stCondLst>
+                              <p:cond delay="0"/>
+                            </p:stCondLst>
+                            <p:childTnLst>
+                              <p:par>
+                                <p:cTn id="57" presetID="31" presetClass="exit" presetSubtype="0" fill="hold" nodeType="clickEffect">
+                                  <p:stCondLst>
+                                    <p:cond delay="0"/>
+                                  </p:stCondLst>
+                                  <p:childTnLst>
+                                    <p:anim calcmode="lin" valueType="num">
+                                      <p:cBhvr>
+                                        <p:cTn id="58" dur="1000"/>
+                                        <p:tgtEl>
+                                          <p:spTgt spid="7"/>
+                                        </p:tgtEl>
+                                        <p:attrNameLst>
+                                          <p:attrName>ppt_w</p:attrName>
+                                        </p:attrNameLst>
+                                      </p:cBhvr>
+                                      <p:tavLst>
+                                        <p:tav tm="0">
+                                          <p:val>
+                                            <p:strVal val="ppt_w"/>
+                                          </p:val>
+                                        </p:tav>
+                                        <p:tav tm="100000">
+                                          <p:val>
+                                            <p:fltVal val="0"/>
+                                          </p:val>
+                                        </p:tav>
+                                      </p:tavLst>
+                                    </p:anim>
+                                    <p:anim calcmode="lin" valueType="num">
+                                      <p:cBhvr>
+                                        <p:cTn id="59" dur="1000"/>
+                                        <p:tgtEl>
+                                          <p:spTgt spid="7"/>
+                                        </p:tgtEl>
+                                        <p:attrNameLst>
+                                          <p:attrName>ppt_h</p:attrName>
+                                        </p:attrNameLst>
+                                      </p:cBhvr>
+                                      <p:tavLst>
+                                        <p:tav tm="0">
+                                          <p:val>
+                                            <p:strVal val="ppt_h"/>
+                                          </p:val>
+                                        </p:tav>
+                                        <p:tav tm="100000">
+                                          <p:val>
+                                            <p:fltVal val="0"/>
+                                          </p:val>
+                                        </p:tav>
+                                      </p:tavLst>
+                                    </p:anim>
+                                    <p:anim calcmode="lin" valueType="num">
+                                      <p:cBhvr>
+                                        <p:cTn id="60" dur="1000"/>
+                                        <p:tgtEl>
+                                          <p:spTgt spid="7"/>
+                                        </p:tgtEl>
+                                        <p:attrNameLst>
+                                          <p:attrName>style.rotation</p:attrName>
+                                        </p:attrNameLst>
+                                      </p:cBhvr>
+                                      <p:tavLst>
+                                        <p:tav tm="0">
+                                          <p:val>
+                                            <p:fltVal val="0"/>
+                                          </p:val>
+                                        </p:tav>
+                                        <p:tav tm="100000">
+                                          <p:val>
+                                            <p:fltVal val="90"/>
+                                          </p:val>
+                                        </p:tav>
+                                      </p:tavLst>
+                                    </p:anim>
+                                    <p:animEffect transition="out" filter="fade">
+                                      <p:cBhvr>
+                                        <p:cTn id="61" dur="1000"/>
+                                        <p:tgtEl>
+                                          <p:spTgt spid="7"/>
+                                        </p:tgtEl>
+                                      </p:cBhvr>
+                                    </p:animEffect>
+                                    <p:set>
+                                      <p:cBhvr>
+                                        <p:cTn id="62" dur="1" fill="hold">
+                                          <p:stCondLst>
+                                            <p:cond delay="999"/>
+                                          </p:stCondLst>
+                                        </p:cTn>
+                                        <p:tgtEl>
+                                          <p:spTgt spid="7"/>
+                                        </p:tgtEl>
+                                        <p:attrNameLst>
+                                          <p:attrName>style.visibility</p:attrName>
+                                        </p:attrNameLst>
+                                      </p:cBhvr>
+                                      <p:to>
+                                        <p:strVal val="hidden"/>
+                                      </p:to>
+                                    </p:set>
+                                  </p:childTnLst>
+                                </p:cTn>
+                              </p:par>
+                            </p:childTnLst>
+                          </p:cTn>
+                        </p:par>
+                      </p:childTnLst>
+                    </p:cTn>
+                  </p:par>
+                </p:childTnLst>
+              </p:cTn>
+              <p:prevCondLst>
+                <p:cond evt="onPrev" delay="0">
+                  <p:tgtEl>
+                    <p:sldTgt/>
+                  </p:tgtEl>
+                </p:cond>
+              </p:prevCondLst>
+              <p:nextCondLst>
+                <p:cond evt="onNext" delay="0">
+                  <p:tgtEl>
+                    <p:sldTgt/>
+                  </p:tgtEl>
+                </p:cond>
+              </p:nextCondLst>
+            </p:seq>
+          </p:childTnLst>
+        </p:cTn>
+      </p:par>
+    </p:tnLst>
+  </p:timing>
 </p:sld>
 </file>
 

--- a/BIOTS Project Slides Template.pptx
+++ b/BIOTS Project Slides Template.pptx
@@ -630,6 +630,90 @@
     <p:extLst>
       <p:ext uri="{BB962C8B-B14F-4D97-AF65-F5344CB8AC3E}">
         <p14:creationId xmlns:p14="http://schemas.microsoft.com/office/powerpoint/2010/main" val="82370383"/>
+      </p:ext>
+    </p:extLst>
+  </p:cSld>
+  <p:clrMapOvr>
+    <a:masterClrMapping/>
+  </p:clrMapOvr>
+</p:notes>
+</file>
+
+<file path=ppt/notesSlides/notesSlide3.xml><?xml version="1.0" encoding="utf-8"?>
+<p:notes xmlns:a="http://schemas.openxmlformats.org/drawingml/2006/main" xmlns:r="http://schemas.openxmlformats.org/officeDocument/2006/relationships" xmlns:p="http://schemas.openxmlformats.org/presentationml/2006/main">
+  <p:cSld>
+    <p:spTree>
+      <p:nvGrpSpPr>
+        <p:cNvPr id="1" name=""/>
+        <p:cNvGrpSpPr/>
+        <p:nvPr/>
+      </p:nvGrpSpPr>
+      <p:grpSpPr>
+        <a:xfrm>
+          <a:off x="0" y="0"/>
+          <a:ext cx="0" cy="0"/>
+          <a:chOff x="0" y="0"/>
+          <a:chExt cx="0" cy="0"/>
+        </a:xfrm>
+      </p:grpSpPr>
+      <p:sp>
+        <p:nvSpPr>
+          <p:cNvPr id="2" name="Folienbildplatzhalter 1"/>
+          <p:cNvSpPr>
+            <a:spLocks noGrp="1" noRot="1" noChangeAspect="1"/>
+          </p:cNvSpPr>
+          <p:nvPr>
+            <p:ph type="sldImg"/>
+          </p:nvPr>
+        </p:nvSpPr>
+        <p:spPr/>
+      </p:sp>
+      <p:sp>
+        <p:nvSpPr>
+          <p:cNvPr id="3" name="Notizenplatzhalter 2"/>
+          <p:cNvSpPr>
+            <a:spLocks noGrp="1"/>
+          </p:cNvSpPr>
+          <p:nvPr>
+            <p:ph type="body" idx="1"/>
+          </p:nvPr>
+        </p:nvSpPr>
+        <p:spPr/>
+        <p:txBody>
+          <a:bodyPr/>
+          <a:lstStyle/>
+          <a:p>
+            <a:endParaRPr lang="de-CH" dirty="0"/>
+          </a:p>
+        </p:txBody>
+      </p:sp>
+      <p:sp>
+        <p:nvSpPr>
+          <p:cNvPr id="4" name="Foliennummernplatzhalter 3"/>
+          <p:cNvSpPr>
+            <a:spLocks noGrp="1"/>
+          </p:cNvSpPr>
+          <p:nvPr>
+            <p:ph type="sldNum" sz="quarter" idx="10"/>
+          </p:nvPr>
+        </p:nvSpPr>
+        <p:spPr/>
+        <p:txBody>
+          <a:bodyPr/>
+          <a:lstStyle/>
+          <a:p>
+            <a:fld id="{7F8A3D38-493C-6644-B1F2-D82D87C65A6A}" type="slidenum">
+              <a:rPr lang="en-US" smtClean="0"/>
+              <a:t>3</a:t>
+            </a:fld>
+            <a:endParaRPr lang="en-US"/>
+          </a:p>
+        </p:txBody>
+      </p:sp>
+    </p:spTree>
+    <p:extLst>
+      <p:ext uri="{BB962C8B-B14F-4D97-AF65-F5344CB8AC3E}">
+        <p14:creationId xmlns:p14="http://schemas.microsoft.com/office/powerpoint/2010/main" val="3211096225"/>
       </p:ext>
     </p:extLst>
   </p:cSld>
@@ -3660,6 +3744,21 @@
                 <a:ea typeface="Arial" charset="0"/>
                 <a:cs typeface="Arial" charset="0"/>
               </a:rPr>
+              <a:t>EWZ Challenge 3 </a:t>
+            </a:r>
+            <a:br>
+              <a:rPr lang="en-US" sz="4000" dirty="0">
+                <a:latin typeface="Arial" charset="0"/>
+                <a:ea typeface="Arial" charset="0"/>
+                <a:cs typeface="Arial" charset="0"/>
+              </a:rPr>
+            </a:br>
+            <a:r>
+              <a:rPr lang="en-US" sz="4000" dirty="0">
+                <a:latin typeface="Arial" charset="0"/>
+                <a:ea typeface="Arial" charset="0"/>
+                <a:cs typeface="Arial" charset="0"/>
+              </a:rPr>
               <a:t>Virtual Energy Storage</a:t>
             </a:r>
             <a:br>
@@ -3676,14 +3775,6 @@
                 <a:cs typeface="Arial" charset="0"/>
               </a:rPr>
             </a:br>
-            <a:r>
-              <a:rPr lang="en-US" sz="4000" dirty="0">
-                <a:latin typeface="Arial" charset="0"/>
-                <a:ea typeface="Arial" charset="0"/>
-                <a:cs typeface="Arial" charset="0"/>
-              </a:rPr>
-              <a:t>Team Energy Online</a:t>
-            </a:r>
             <a:br>
               <a:rPr lang="en-US" sz="4000" dirty="0">
                 <a:latin typeface="Arial" charset="0"/>
@@ -3691,6 +3782,14 @@
                 <a:cs typeface="Arial" charset="0"/>
               </a:rPr>
             </a:br>
+            <a:r>
+              <a:rPr lang="en-US" sz="4000" dirty="0">
+                <a:latin typeface="Arial" charset="0"/>
+                <a:ea typeface="Arial" charset="0"/>
+                <a:cs typeface="Arial" charset="0"/>
+              </a:rPr>
+              <a:t>Team “Energy Online”</a:t>
+            </a:r>
             <a:br>
               <a:rPr lang="en-US" sz="4000" dirty="0">
                 <a:latin typeface="Arial" charset="0"/>
@@ -3699,7 +3798,7 @@
               </a:rPr>
             </a:br>
             <a:r>
-              <a:rPr lang="en-US" sz="3200" dirty="0" err="1">
+              <a:rPr lang="en-US" sz="2400" dirty="0" err="1">
                 <a:latin typeface="Arial" charset="0"/>
                 <a:ea typeface="Arial" charset="0"/>
                 <a:cs typeface="Arial" charset="0"/>
@@ -3707,7 +3806,7 @@
               <a:t>Jiggar</a:t>
             </a:r>
             <a:r>
-              <a:rPr lang="en-US" sz="3200" dirty="0">
+              <a:rPr lang="en-US" sz="2400" dirty="0">
                 <a:latin typeface="Arial" charset="0"/>
                 <a:ea typeface="Arial" charset="0"/>
                 <a:cs typeface="Arial" charset="0"/>
@@ -3715,7 +3814,7 @@
               <a:t> Shah, Michael Jordi, Michael </a:t>
             </a:r>
             <a:r>
-              <a:rPr lang="en-US" sz="3200" dirty="0" err="1">
+              <a:rPr lang="en-US" sz="2400" dirty="0" err="1">
                 <a:latin typeface="Arial" charset="0"/>
                 <a:ea typeface="Arial" charset="0"/>
                 <a:cs typeface="Arial" charset="0"/>
@@ -3723,7 +3822,7 @@
               <a:t>Stemmle</a:t>
             </a:r>
             <a:r>
-              <a:rPr lang="en-US" sz="3200" dirty="0">
+              <a:rPr lang="en-US" sz="2400" dirty="0">
                 <a:latin typeface="Arial" charset="0"/>
                 <a:ea typeface="Arial" charset="0"/>
                 <a:cs typeface="Arial" charset="0"/>
@@ -3731,7 +3830,7 @@
               <a:t>, Simon Oeschger, Stefan </a:t>
             </a:r>
             <a:r>
-              <a:rPr lang="en-US" sz="3200" dirty="0" err="1">
+              <a:rPr lang="en-US" sz="2400" dirty="0" err="1">
                 <a:latin typeface="Arial" charset="0"/>
                 <a:ea typeface="Arial" charset="0"/>
                 <a:cs typeface="Arial" charset="0"/>
@@ -3802,8 +3901,8 @@
         </p:nvSpPr>
         <p:spPr>
           <a:xfrm>
-            <a:off x="1152939" y="658536"/>
-            <a:ext cx="9144000" cy="4390542"/>
+            <a:off x="1152938" y="658536"/>
+            <a:ext cx="10063701" cy="4390542"/>
           </a:xfrm>
         </p:spPr>
         <p:txBody>
@@ -3857,7 +3956,7 @@
                 <a:latin typeface="Arial" charset="0"/>
                 <a:cs typeface="Arial" charset="0"/>
               </a:rPr>
-              <a:t>Reduce</a:t>
+              <a:t>No nuclear plants </a:t>
             </a:r>
             <a:r>
               <a:rPr lang="en-US" sz="3300" dirty="0">
@@ -3868,7 +3967,7 @@
                 <a:ea typeface="Arial" charset="0"/>
                 <a:cs typeface="Arial" charset="0"/>
               </a:rPr>
-              <a:t> amount of nuclear energy by 2034</a:t>
+              <a:t>by 2034 (40% of production)</a:t>
             </a:r>
             <a:br>
               <a:rPr lang="en-US" sz="3300" dirty="0">
@@ -3889,28 +3988,7 @@
                 <a:ea typeface="Arial" charset="0"/>
                 <a:cs typeface="Arial" charset="0"/>
               </a:rPr>
-              <a:t>- Low incentives to set up PV</a:t>
-            </a:r>
-            <a:br>
-              <a:rPr lang="en-US" sz="3300" dirty="0">
-                <a:solidFill>
-                  <a:schemeClr val="tx1"/>
-                </a:solidFill>
-                <a:latin typeface="Arial" charset="0"/>
-                <a:ea typeface="Arial" charset="0"/>
-                <a:cs typeface="Arial" charset="0"/>
-              </a:rPr>
-            </a:br>
-            <a:r>
-              <a:rPr lang="en-US" sz="3300" dirty="0">
-                <a:solidFill>
-                  <a:schemeClr val="tx1"/>
-                </a:solidFill>
-                <a:latin typeface="Arial" charset="0"/>
-                <a:ea typeface="Arial" charset="0"/>
-                <a:cs typeface="Arial" charset="0"/>
-              </a:rPr>
-              <a:t>- Expensive energy storage solutions</a:t>
+              <a:t>- Slow growth of renewables (incentives, storage)</a:t>
             </a:r>
             <a:br>
               <a:rPr lang="en-US" sz="3300" dirty="0">
@@ -3961,7 +4039,7 @@
                 <a:latin typeface="Arial" charset="0"/>
                 <a:cs typeface="Arial" charset="0"/>
               </a:rPr>
-              <a:t>- Incentivize sustainable energy production</a:t>
+              <a:t>- Store “the right to obtain energy” as a token</a:t>
             </a:r>
             <a:br>
               <a:rPr lang="en-US" sz="3300" dirty="0">
@@ -3980,7 +4058,7 @@
                 <a:latin typeface="Arial" charset="0"/>
                 <a:cs typeface="Arial" charset="0"/>
               </a:rPr>
-              <a:t>- Virtual energy storage solution</a:t>
+              <a:t>- Create an incentive system to grow renewables (DAO)</a:t>
             </a:r>
           </a:p>
         </p:txBody>
@@ -4017,10 +4095,10 @@
       </p:grpSpPr>
       <p:pic>
         <p:nvPicPr>
-          <p:cNvPr id="5" name="Grafik 4" descr="Ein Bild, das Text, Karte enthält.&#10;&#10;Mit sehr hoher Zuverlässigkeit generierte Beschreibung">
+          <p:cNvPr id="2" name="Grafik 1">
             <a:extLst>
               <a:ext uri="{FF2B5EF4-FFF2-40B4-BE49-F238E27FC236}">
-                <a16:creationId xmlns:a16="http://schemas.microsoft.com/office/drawing/2014/main" id="{1EBEF5EC-F411-4122-993B-B51BCB64ECCF}"/>
+                <a16:creationId xmlns:a16="http://schemas.microsoft.com/office/drawing/2014/main" id="{8C0CDA23-0773-4B34-A24A-7FD5602850AB}"/>
               </a:ext>
             </a:extLst>
           </p:cNvPr>
@@ -4029,16 +4107,15 @@
           </p:cNvPicPr>
           <p:nvPr/>
         </p:nvPicPr>
-        <p:blipFill>
-          <a:blip r:embed="rId2"/>
-          <a:stretch>
-            <a:fillRect/>
-          </a:stretch>
+        <p:blipFill rotWithShape="1">
+          <a:blip r:embed="rId3"/>
+          <a:srcRect t="1" r="22484" b="34892"/>
+          <a:stretch/>
         </p:blipFill>
         <p:spPr>
           <a:xfrm>
-            <a:off x="3749477" y="1853683"/>
-            <a:ext cx="4693045" cy="2545976"/>
+            <a:off x="230819" y="0"/>
+            <a:ext cx="9595668" cy="5898048"/>
           </a:xfrm>
           <a:prstGeom prst="rect">
             <a:avLst/>
@@ -4047,10 +4124,10 @@
       </p:pic>
       <p:pic>
         <p:nvPicPr>
-          <p:cNvPr id="3" name="Grafik 2" descr="Ein Bild, das Text, Karte, Uhr, Objekt enthält.&#10;&#10;Mit hoher Zuverlässigkeit generierte Beschreibung">
+          <p:cNvPr id="4" name="Grafik 3">
             <a:extLst>
               <a:ext uri="{FF2B5EF4-FFF2-40B4-BE49-F238E27FC236}">
-                <a16:creationId xmlns:a16="http://schemas.microsoft.com/office/drawing/2014/main" id="{158CB330-8660-4D10-9B9A-ACDF75839A4A}"/>
+                <a16:creationId xmlns:a16="http://schemas.microsoft.com/office/drawing/2014/main" id="{A6026377-5D2B-45BA-8E68-56C29D30FF81}"/>
               </a:ext>
             </a:extLst>
           </p:cNvPr>
@@ -4059,16 +4136,15 @@
           </p:cNvPicPr>
           <p:nvPr/>
         </p:nvPicPr>
-        <p:blipFill>
+        <p:blipFill rotWithShape="1">
           <a:blip r:embed="rId3"/>
-          <a:stretch>
-            <a:fillRect/>
-          </a:stretch>
+          <a:srcRect l="9486" t="64782" r="37980" b="1"/>
+          <a:stretch/>
         </p:blipFill>
         <p:spPr>
           <a:xfrm>
-            <a:off x="720337" y="1207248"/>
-            <a:ext cx="3475655" cy="3707364"/>
+            <a:off x="7838660" y="2892288"/>
+            <a:ext cx="4287077" cy="2103148"/>
           </a:xfrm>
           <a:prstGeom prst="rect">
             <a:avLst/>
@@ -4077,10 +4153,10 @@
       </p:pic>
       <p:pic>
         <p:nvPicPr>
-          <p:cNvPr id="7" name="Grafik 6" descr="Ein Bild, das Text, Karte enthält.&#10;&#10;Mit sehr hoher Zuverlässigkeit generierte Beschreibung">
+          <p:cNvPr id="8" name="Grafik 7">
             <a:extLst>
               <a:ext uri="{FF2B5EF4-FFF2-40B4-BE49-F238E27FC236}">
-                <a16:creationId xmlns:a16="http://schemas.microsoft.com/office/drawing/2014/main" id="{3C304292-F670-422E-ACC8-75E40172FE27}"/>
+                <a16:creationId xmlns:a16="http://schemas.microsoft.com/office/drawing/2014/main" id="{40A31011-EC1E-45D1-B227-972BF9C40E62}"/>
               </a:ext>
             </a:extLst>
           </p:cNvPr>
@@ -4089,22 +4165,183 @@
           </p:cNvPicPr>
           <p:nvPr/>
         </p:nvPicPr>
-        <p:blipFill>
-          <a:blip r:embed="rId4"/>
-          <a:stretch>
-            <a:fillRect/>
-          </a:stretch>
+        <p:blipFill rotWithShape="1">
+          <a:blip r:embed="rId3"/>
+          <a:srcRect l="62229" t="23004" b="58464"/>
+          <a:stretch/>
         </p:blipFill>
         <p:spPr>
           <a:xfrm>
-            <a:off x="8309409" y="1992605"/>
-            <a:ext cx="3517120" cy="2136650"/>
+            <a:off x="7918173" y="1381541"/>
+            <a:ext cx="4207565" cy="1510747"/>
           </a:xfrm>
           <a:prstGeom prst="rect">
             <a:avLst/>
           </a:prstGeom>
         </p:spPr>
       </p:pic>
+      <p:sp>
+        <p:nvSpPr>
+          <p:cNvPr id="6" name="Textfeld 5">
+            <a:extLst>
+              <a:ext uri="{FF2B5EF4-FFF2-40B4-BE49-F238E27FC236}">
+                <a16:creationId xmlns:a16="http://schemas.microsoft.com/office/drawing/2014/main" id="{A9ADFA43-054A-4CF5-A5DE-FE2E6E06B280}"/>
+              </a:ext>
+            </a:extLst>
+          </p:cNvPr>
+          <p:cNvSpPr txBox="1"/>
+          <p:nvPr/>
+        </p:nvSpPr>
+        <p:spPr>
+          <a:xfrm flipH="1">
+            <a:off x="8078735" y="5459833"/>
+            <a:ext cx="3495503" cy="369332"/>
+          </a:xfrm>
+          <a:prstGeom prst="rect">
+            <a:avLst/>
+          </a:prstGeom>
+          <a:noFill/>
+        </p:spPr>
+        <p:txBody>
+          <a:bodyPr wrap="square" rtlCol="0">
+            <a:spAutoFit/>
+          </a:bodyPr>
+          <a:lstStyle/>
+          <a:p>
+            <a:r>
+              <a:rPr lang="de-CH" dirty="0">
+                <a:highlight>
+                  <a:srgbClr val="FFFF00"/>
+                </a:highlight>
+              </a:rPr>
+              <a:t>Token = Right </a:t>
+            </a:r>
+            <a:r>
+              <a:rPr lang="de-CH" dirty="0" err="1">
+                <a:highlight>
+                  <a:srgbClr val="FFFF00"/>
+                </a:highlight>
+              </a:rPr>
+              <a:t>to</a:t>
+            </a:r>
+            <a:r>
+              <a:rPr lang="de-CH" dirty="0">
+                <a:highlight>
+                  <a:srgbClr val="FFFF00"/>
+                </a:highlight>
+              </a:rPr>
+              <a:t> </a:t>
+            </a:r>
+            <a:r>
+              <a:rPr lang="de-CH" dirty="0" err="1">
+                <a:highlight>
+                  <a:srgbClr val="FFFF00"/>
+                </a:highlight>
+              </a:rPr>
+              <a:t>optiain</a:t>
+            </a:r>
+            <a:r>
+              <a:rPr lang="de-CH" dirty="0">
+                <a:highlight>
+                  <a:srgbClr val="FFFF00"/>
+                </a:highlight>
+              </a:rPr>
+              <a:t> </a:t>
+            </a:r>
+            <a:r>
+              <a:rPr lang="de-CH" dirty="0" err="1">
+                <a:highlight>
+                  <a:srgbClr val="FFFF00"/>
+                </a:highlight>
+              </a:rPr>
+              <a:t>energy</a:t>
+            </a:r>
+            <a:endParaRPr lang="de-CH" dirty="0">
+              <a:highlight>
+                <a:srgbClr val="FFFF00"/>
+              </a:highlight>
+            </a:endParaRPr>
+          </a:p>
+        </p:txBody>
+      </p:sp>
+      <p:sp>
+        <p:nvSpPr>
+          <p:cNvPr id="9" name="Textfeld 8">
+            <a:extLst>
+              <a:ext uri="{FF2B5EF4-FFF2-40B4-BE49-F238E27FC236}">
+                <a16:creationId xmlns:a16="http://schemas.microsoft.com/office/drawing/2014/main" id="{638C1200-4333-468C-AD47-8B3498B55BE9}"/>
+              </a:ext>
+            </a:extLst>
+          </p:cNvPr>
+          <p:cNvSpPr txBox="1"/>
+          <p:nvPr/>
+        </p:nvSpPr>
+        <p:spPr>
+          <a:xfrm flipH="1">
+            <a:off x="10078460" y="1078511"/>
+            <a:ext cx="2047277" cy="369332"/>
+          </a:xfrm>
+          <a:prstGeom prst="rect">
+            <a:avLst/>
+          </a:prstGeom>
+          <a:noFill/>
+        </p:spPr>
+        <p:txBody>
+          <a:bodyPr wrap="square" rtlCol="0">
+            <a:spAutoFit/>
+          </a:bodyPr>
+          <a:lstStyle/>
+          <a:p>
+            <a:r>
+              <a:rPr lang="de-CH" dirty="0">
+                <a:highlight>
+                  <a:srgbClr val="FFFF00"/>
+                </a:highlight>
+              </a:rPr>
+              <a:t>ENERGY MARKET</a:t>
+            </a:r>
+          </a:p>
+        </p:txBody>
+      </p:sp>
+      <p:sp>
+        <p:nvSpPr>
+          <p:cNvPr id="11" name="Textfeld 10">
+            <a:extLst>
+              <a:ext uri="{FF2B5EF4-FFF2-40B4-BE49-F238E27FC236}">
+                <a16:creationId xmlns:a16="http://schemas.microsoft.com/office/drawing/2014/main" id="{D03FD65E-53BC-4F00-AAE2-9D3001EDCF14}"/>
+              </a:ext>
+            </a:extLst>
+          </p:cNvPr>
+          <p:cNvSpPr txBox="1"/>
+          <p:nvPr/>
+        </p:nvSpPr>
+        <p:spPr>
+          <a:xfrm flipH="1">
+            <a:off x="10540492" y="2707622"/>
+            <a:ext cx="871239" cy="369332"/>
+          </a:xfrm>
+          <a:prstGeom prst="rect">
+            <a:avLst/>
+          </a:prstGeom>
+          <a:noFill/>
+        </p:spPr>
+        <p:txBody>
+          <a:bodyPr wrap="square" rtlCol="0">
+            <a:spAutoFit/>
+          </a:bodyPr>
+          <a:lstStyle/>
+          <a:p>
+            <a:r>
+              <a:rPr lang="de-CH" dirty="0">
+                <a:highlight>
+                  <a:srgbClr val="FFFF00"/>
+                </a:highlight>
+              </a:rPr>
+              <a:t>PROFIT</a:t>
+            </a:r>
+          </a:p>
+        </p:txBody>
+      </p:sp>
     </p:spTree>
     <p:extLst>
       <p:ext uri="{BB962C8B-B14F-4D97-AF65-F5344CB8AC3E}">
@@ -4115,770 +4352,6 @@
   <p:clrMapOvr>
     <a:masterClrMapping/>
   </p:clrMapOvr>
-  <p:timing>
-    <p:tnLst>
-      <p:par>
-        <p:cTn id="1" dur="indefinite" restart="never" nodeType="tmRoot">
-          <p:childTnLst>
-            <p:seq concurrent="1" nextAc="seek">
-              <p:cTn id="2" dur="indefinite" nodeType="mainSeq">
-                <p:childTnLst>
-                  <p:par>
-                    <p:cTn id="3" fill="hold">
-                      <p:stCondLst>
-                        <p:cond delay="indefinite"/>
-                      </p:stCondLst>
-                      <p:childTnLst>
-                        <p:par>
-                          <p:cTn id="4" fill="hold">
-                            <p:stCondLst>
-                              <p:cond delay="0"/>
-                            </p:stCondLst>
-                            <p:childTnLst>
-                              <p:par>
-                                <p:cTn id="5" presetID="1" presetClass="exit" presetSubtype="0" fill="hold" nodeType="clickEffect">
-                                  <p:stCondLst>
-                                    <p:cond delay="0"/>
-                                  </p:stCondLst>
-                                  <p:childTnLst>
-                                    <p:set>
-                                      <p:cBhvr>
-                                        <p:cTn id="6" dur="1" fill="hold">
-                                          <p:stCondLst>
-                                            <p:cond delay="0"/>
-                                          </p:stCondLst>
-                                        </p:cTn>
-                                        <p:tgtEl>
-                                          <p:spTgt spid="5"/>
-                                        </p:tgtEl>
-                                        <p:attrNameLst>
-                                          <p:attrName>style.visibility</p:attrName>
-                                        </p:attrNameLst>
-                                      </p:cBhvr>
-                                      <p:to>
-                                        <p:strVal val="hidden"/>
-                                      </p:to>
-                                    </p:set>
-                                  </p:childTnLst>
-                                </p:cTn>
-                              </p:par>
-                            </p:childTnLst>
-                          </p:cTn>
-                        </p:par>
-                      </p:childTnLst>
-                    </p:cTn>
-                  </p:par>
-                  <p:par>
-                    <p:cTn id="7" fill="hold">
-                      <p:stCondLst>
-                        <p:cond delay="indefinite"/>
-                      </p:stCondLst>
-                      <p:childTnLst>
-                        <p:par>
-                          <p:cTn id="8" fill="hold">
-                            <p:stCondLst>
-                              <p:cond delay="0"/>
-                            </p:stCondLst>
-                            <p:childTnLst>
-                              <p:par>
-                                <p:cTn id="9" presetID="1" presetClass="exit" presetSubtype="0" fill="hold" nodeType="clickEffect">
-                                  <p:stCondLst>
-                                    <p:cond delay="0"/>
-                                  </p:stCondLst>
-                                  <p:childTnLst>
-                                    <p:set>
-                                      <p:cBhvr>
-                                        <p:cTn id="10" dur="1" fill="hold">
-                                          <p:stCondLst>
-                                            <p:cond delay="0"/>
-                                          </p:stCondLst>
-                                        </p:cTn>
-                                        <p:tgtEl>
-                                          <p:spTgt spid="7"/>
-                                        </p:tgtEl>
-                                        <p:attrNameLst>
-                                          <p:attrName>style.visibility</p:attrName>
-                                        </p:attrNameLst>
-                                      </p:cBhvr>
-                                      <p:to>
-                                        <p:strVal val="hidden"/>
-                                      </p:to>
-                                    </p:set>
-                                  </p:childTnLst>
-                                </p:cTn>
-                              </p:par>
-                            </p:childTnLst>
-                          </p:cTn>
-                        </p:par>
-                      </p:childTnLst>
-                    </p:cTn>
-                  </p:par>
-                  <p:par>
-                    <p:cTn id="11" fill="hold">
-                      <p:stCondLst>
-                        <p:cond delay="indefinite"/>
-                      </p:stCondLst>
-                      <p:childTnLst>
-                        <p:par>
-                          <p:cTn id="12" fill="hold">
-                            <p:stCondLst>
-                              <p:cond delay="0"/>
-                            </p:stCondLst>
-                            <p:childTnLst>
-                              <p:par>
-                                <p:cTn id="13" presetID="0" presetClass="path" presetSubtype="0" accel="50000" decel="50000" fill="hold" nodeType="clickEffect">
-                                  <p:stCondLst>
-                                    <p:cond delay="0"/>
-                                  </p:stCondLst>
-                                  <p:childTnLst>
-                                    <p:animMotion origin="layout" path="M -0.0013 -0.01135 L 0.33399 -0.01829 " pathEditMode="relative" rAng="0" ptsTypes="AA">
-                                      <p:cBhvr>
-                                        <p:cTn id="14" dur="2000" fill="hold"/>
-                                        <p:tgtEl>
-                                          <p:spTgt spid="3"/>
-                                        </p:tgtEl>
-                                        <p:attrNameLst>
-                                          <p:attrName>ppt_x</p:attrName>
-                                          <p:attrName>ppt_y</p:attrName>
-                                        </p:attrNameLst>
-                                      </p:cBhvr>
-                                      <p:rCtr x="16758" y="-347"/>
-                                    </p:animMotion>
-                                  </p:childTnLst>
-                                </p:cTn>
-                              </p:par>
-                            </p:childTnLst>
-                          </p:cTn>
-                        </p:par>
-                      </p:childTnLst>
-                    </p:cTn>
-                  </p:par>
-                  <p:par>
-                    <p:cTn id="15" fill="hold">
-                      <p:stCondLst>
-                        <p:cond delay="indefinite"/>
-                      </p:stCondLst>
-                      <p:childTnLst>
-                        <p:par>
-                          <p:cTn id="16" fill="hold">
-                            <p:stCondLst>
-                              <p:cond delay="0"/>
-                            </p:stCondLst>
-                            <p:childTnLst>
-                              <p:par>
-                                <p:cTn id="17" presetID="6" presetClass="emph" presetSubtype="0" fill="hold" nodeType="clickEffect">
-                                  <p:stCondLst>
-                                    <p:cond delay="0"/>
-                                  </p:stCondLst>
-                                  <p:childTnLst>
-                                    <p:animScale>
-                                      <p:cBhvr>
-                                        <p:cTn id="18" dur="250" fill="hold"/>
-                                        <p:tgtEl>
-                                          <p:spTgt spid="3"/>
-                                        </p:tgtEl>
-                                      </p:cBhvr>
-                                      <p:by x="150000" y="150000"/>
-                                    </p:animScale>
-                                  </p:childTnLst>
-                                </p:cTn>
-                              </p:par>
-                            </p:childTnLst>
-                          </p:cTn>
-                        </p:par>
-                      </p:childTnLst>
-                    </p:cTn>
-                  </p:par>
-                  <p:par>
-                    <p:cTn id="19" fill="hold">
-                      <p:stCondLst>
-                        <p:cond delay="indefinite"/>
-                      </p:stCondLst>
-                      <p:childTnLst>
-                        <p:par>
-                          <p:cTn id="20" fill="hold">
-                            <p:stCondLst>
-                              <p:cond delay="0"/>
-                            </p:stCondLst>
-                            <p:childTnLst>
-                              <p:par>
-                                <p:cTn id="21" presetID="31" presetClass="exit" presetSubtype="0" fill="hold" nodeType="clickEffect">
-                                  <p:stCondLst>
-                                    <p:cond delay="0"/>
-                                  </p:stCondLst>
-                                  <p:childTnLst>
-                                    <p:anim calcmode="lin" valueType="num">
-                                      <p:cBhvr>
-                                        <p:cTn id="22" dur="1000"/>
-                                        <p:tgtEl>
-                                          <p:spTgt spid="3"/>
-                                        </p:tgtEl>
-                                        <p:attrNameLst>
-                                          <p:attrName>ppt_w</p:attrName>
-                                        </p:attrNameLst>
-                                      </p:cBhvr>
-                                      <p:tavLst>
-                                        <p:tav tm="0">
-                                          <p:val>
-                                            <p:strVal val="ppt_w"/>
-                                          </p:val>
-                                        </p:tav>
-                                        <p:tav tm="100000">
-                                          <p:val>
-                                            <p:fltVal val="0"/>
-                                          </p:val>
-                                        </p:tav>
-                                      </p:tavLst>
-                                    </p:anim>
-                                    <p:anim calcmode="lin" valueType="num">
-                                      <p:cBhvr>
-                                        <p:cTn id="23" dur="1000"/>
-                                        <p:tgtEl>
-                                          <p:spTgt spid="3"/>
-                                        </p:tgtEl>
-                                        <p:attrNameLst>
-                                          <p:attrName>ppt_h</p:attrName>
-                                        </p:attrNameLst>
-                                      </p:cBhvr>
-                                      <p:tavLst>
-                                        <p:tav tm="0">
-                                          <p:val>
-                                            <p:strVal val="ppt_h"/>
-                                          </p:val>
-                                        </p:tav>
-                                        <p:tav tm="100000">
-                                          <p:val>
-                                            <p:fltVal val="0"/>
-                                          </p:val>
-                                        </p:tav>
-                                      </p:tavLst>
-                                    </p:anim>
-                                    <p:anim calcmode="lin" valueType="num">
-                                      <p:cBhvr>
-                                        <p:cTn id="24" dur="1000"/>
-                                        <p:tgtEl>
-                                          <p:spTgt spid="3"/>
-                                        </p:tgtEl>
-                                        <p:attrNameLst>
-                                          <p:attrName>style.rotation</p:attrName>
-                                        </p:attrNameLst>
-                                      </p:cBhvr>
-                                      <p:tavLst>
-                                        <p:tav tm="0">
-                                          <p:val>
-                                            <p:fltVal val="0"/>
-                                          </p:val>
-                                        </p:tav>
-                                        <p:tav tm="100000">
-                                          <p:val>
-                                            <p:fltVal val="90"/>
-                                          </p:val>
-                                        </p:tav>
-                                      </p:tavLst>
-                                    </p:anim>
-                                    <p:animEffect transition="out" filter="fade">
-                                      <p:cBhvr>
-                                        <p:cTn id="25" dur="1000"/>
-                                        <p:tgtEl>
-                                          <p:spTgt spid="3"/>
-                                        </p:tgtEl>
-                                      </p:cBhvr>
-                                    </p:animEffect>
-                                    <p:set>
-                                      <p:cBhvr>
-                                        <p:cTn id="26" dur="1" fill="hold">
-                                          <p:stCondLst>
-                                            <p:cond delay="999"/>
-                                          </p:stCondLst>
-                                        </p:cTn>
-                                        <p:tgtEl>
-                                          <p:spTgt spid="3"/>
-                                        </p:tgtEl>
-                                        <p:attrNameLst>
-                                          <p:attrName>style.visibility</p:attrName>
-                                        </p:attrNameLst>
-                                      </p:cBhvr>
-                                      <p:to>
-                                        <p:strVal val="hidden"/>
-                                      </p:to>
-                                    </p:set>
-                                  </p:childTnLst>
-                                </p:cTn>
-                              </p:par>
-                            </p:childTnLst>
-                          </p:cTn>
-                        </p:par>
-                      </p:childTnLst>
-                    </p:cTn>
-                  </p:par>
-                  <p:par>
-                    <p:cTn id="27" fill="hold">
-                      <p:stCondLst>
-                        <p:cond delay="indefinite"/>
-                      </p:stCondLst>
-                      <p:childTnLst>
-                        <p:par>
-                          <p:cTn id="28" fill="hold">
-                            <p:stCondLst>
-                              <p:cond delay="0"/>
-                            </p:stCondLst>
-                            <p:childTnLst>
-                              <p:par>
-                                <p:cTn id="29" presetID="1" presetClass="entr" presetSubtype="0" fill="hold" nodeType="clickEffect">
-                                  <p:stCondLst>
-                                    <p:cond delay="0"/>
-                                  </p:stCondLst>
-                                  <p:childTnLst>
-                                    <p:set>
-                                      <p:cBhvr>
-                                        <p:cTn id="30" dur="1" fill="hold">
-                                          <p:stCondLst>
-                                            <p:cond delay="0"/>
-                                          </p:stCondLst>
-                                        </p:cTn>
-                                        <p:tgtEl>
-                                          <p:spTgt spid="5"/>
-                                        </p:tgtEl>
-                                        <p:attrNameLst>
-                                          <p:attrName>style.visibility</p:attrName>
-                                        </p:attrNameLst>
-                                      </p:cBhvr>
-                                      <p:to>
-                                        <p:strVal val="visible"/>
-                                      </p:to>
-                                    </p:set>
-                                  </p:childTnLst>
-                                </p:cTn>
-                              </p:par>
-                            </p:childTnLst>
-                          </p:cTn>
-                        </p:par>
-                      </p:childTnLst>
-                    </p:cTn>
-                  </p:par>
-                  <p:par>
-                    <p:cTn id="31" fill="hold">
-                      <p:stCondLst>
-                        <p:cond delay="indefinite"/>
-                      </p:stCondLst>
-                      <p:childTnLst>
-                        <p:par>
-                          <p:cTn id="32" fill="hold">
-                            <p:stCondLst>
-                              <p:cond delay="0"/>
-                            </p:stCondLst>
-                            <p:childTnLst>
-                              <p:par>
-                                <p:cTn id="33" presetID="6" presetClass="emph" presetSubtype="0" fill="hold" nodeType="clickEffect">
-                                  <p:stCondLst>
-                                    <p:cond delay="0"/>
-                                  </p:stCondLst>
-                                  <p:childTnLst>
-                                    <p:animScale>
-                                      <p:cBhvr>
-                                        <p:cTn id="34" dur="250" fill="hold"/>
-                                        <p:tgtEl>
-                                          <p:spTgt spid="5"/>
-                                        </p:tgtEl>
-                                      </p:cBhvr>
-                                      <p:by x="150000" y="150000"/>
-                                    </p:animScale>
-                                  </p:childTnLst>
-                                </p:cTn>
-                              </p:par>
-                            </p:childTnLst>
-                          </p:cTn>
-                        </p:par>
-                      </p:childTnLst>
-                    </p:cTn>
-                  </p:par>
-                  <p:par>
-                    <p:cTn id="35" fill="hold">
-                      <p:stCondLst>
-                        <p:cond delay="indefinite"/>
-                      </p:stCondLst>
-                      <p:childTnLst>
-                        <p:par>
-                          <p:cTn id="36" fill="hold">
-                            <p:stCondLst>
-                              <p:cond delay="0"/>
-                            </p:stCondLst>
-                            <p:childTnLst>
-                              <p:par>
-                                <p:cTn id="37" presetID="31" presetClass="exit" presetSubtype="0" fill="hold" nodeType="clickEffect">
-                                  <p:stCondLst>
-                                    <p:cond delay="0"/>
-                                  </p:stCondLst>
-                                  <p:childTnLst>
-                                    <p:anim calcmode="lin" valueType="num">
-                                      <p:cBhvr>
-                                        <p:cTn id="38" dur="1000"/>
-                                        <p:tgtEl>
-                                          <p:spTgt spid="5"/>
-                                        </p:tgtEl>
-                                        <p:attrNameLst>
-                                          <p:attrName>ppt_w</p:attrName>
-                                        </p:attrNameLst>
-                                      </p:cBhvr>
-                                      <p:tavLst>
-                                        <p:tav tm="0">
-                                          <p:val>
-                                            <p:strVal val="ppt_w"/>
-                                          </p:val>
-                                        </p:tav>
-                                        <p:tav tm="100000">
-                                          <p:val>
-                                            <p:fltVal val="0"/>
-                                          </p:val>
-                                        </p:tav>
-                                      </p:tavLst>
-                                    </p:anim>
-                                    <p:anim calcmode="lin" valueType="num">
-                                      <p:cBhvr>
-                                        <p:cTn id="39" dur="1000"/>
-                                        <p:tgtEl>
-                                          <p:spTgt spid="5"/>
-                                        </p:tgtEl>
-                                        <p:attrNameLst>
-                                          <p:attrName>ppt_h</p:attrName>
-                                        </p:attrNameLst>
-                                      </p:cBhvr>
-                                      <p:tavLst>
-                                        <p:tav tm="0">
-                                          <p:val>
-                                            <p:strVal val="ppt_h"/>
-                                          </p:val>
-                                        </p:tav>
-                                        <p:tav tm="100000">
-                                          <p:val>
-                                            <p:fltVal val="0"/>
-                                          </p:val>
-                                        </p:tav>
-                                      </p:tavLst>
-                                    </p:anim>
-                                    <p:anim calcmode="lin" valueType="num">
-                                      <p:cBhvr>
-                                        <p:cTn id="40" dur="1000"/>
-                                        <p:tgtEl>
-                                          <p:spTgt spid="5"/>
-                                        </p:tgtEl>
-                                        <p:attrNameLst>
-                                          <p:attrName>style.rotation</p:attrName>
-                                        </p:attrNameLst>
-                                      </p:cBhvr>
-                                      <p:tavLst>
-                                        <p:tav tm="0">
-                                          <p:val>
-                                            <p:fltVal val="0"/>
-                                          </p:val>
-                                        </p:tav>
-                                        <p:tav tm="100000">
-                                          <p:val>
-                                            <p:fltVal val="90"/>
-                                          </p:val>
-                                        </p:tav>
-                                      </p:tavLst>
-                                    </p:anim>
-                                    <p:animEffect transition="out" filter="fade">
-                                      <p:cBhvr>
-                                        <p:cTn id="41" dur="1000"/>
-                                        <p:tgtEl>
-                                          <p:spTgt spid="5"/>
-                                        </p:tgtEl>
-                                      </p:cBhvr>
-                                    </p:animEffect>
-                                    <p:set>
-                                      <p:cBhvr>
-                                        <p:cTn id="42" dur="1" fill="hold">
-                                          <p:stCondLst>
-                                            <p:cond delay="999"/>
-                                          </p:stCondLst>
-                                        </p:cTn>
-                                        <p:tgtEl>
-                                          <p:spTgt spid="5"/>
-                                        </p:tgtEl>
-                                        <p:attrNameLst>
-                                          <p:attrName>style.visibility</p:attrName>
-                                        </p:attrNameLst>
-                                      </p:cBhvr>
-                                      <p:to>
-                                        <p:strVal val="hidden"/>
-                                      </p:to>
-                                    </p:set>
-                                  </p:childTnLst>
-                                </p:cTn>
-                              </p:par>
-                            </p:childTnLst>
-                          </p:cTn>
-                        </p:par>
-                      </p:childTnLst>
-                    </p:cTn>
-                  </p:par>
-                  <p:par>
-                    <p:cTn id="43" fill="hold">
-                      <p:stCondLst>
-                        <p:cond delay="indefinite"/>
-                      </p:stCondLst>
-                      <p:childTnLst>
-                        <p:par>
-                          <p:cTn id="44" fill="hold">
-                            <p:stCondLst>
-                              <p:cond delay="0"/>
-                            </p:stCondLst>
-                            <p:childTnLst>
-                              <p:par>
-                                <p:cTn id="45" presetID="1" presetClass="entr" presetSubtype="0" fill="hold" nodeType="clickEffect">
-                                  <p:stCondLst>
-                                    <p:cond delay="0"/>
-                                  </p:stCondLst>
-                                  <p:childTnLst>
-                                    <p:set>
-                                      <p:cBhvr>
-                                        <p:cTn id="46" dur="1" fill="hold">
-                                          <p:stCondLst>
-                                            <p:cond delay="0"/>
-                                          </p:stCondLst>
-                                        </p:cTn>
-                                        <p:tgtEl>
-                                          <p:spTgt spid="7"/>
-                                        </p:tgtEl>
-                                        <p:attrNameLst>
-                                          <p:attrName>style.visibility</p:attrName>
-                                        </p:attrNameLst>
-                                      </p:cBhvr>
-                                      <p:to>
-                                        <p:strVal val="visible"/>
-                                      </p:to>
-                                    </p:set>
-                                  </p:childTnLst>
-                                </p:cTn>
-                              </p:par>
-                            </p:childTnLst>
-                          </p:cTn>
-                        </p:par>
-                      </p:childTnLst>
-                    </p:cTn>
-                  </p:par>
-                  <p:par>
-                    <p:cTn id="47" fill="hold">
-                      <p:stCondLst>
-                        <p:cond delay="indefinite"/>
-                      </p:stCondLst>
-                      <p:childTnLst>
-                        <p:par>
-                          <p:cTn id="48" fill="hold">
-                            <p:stCondLst>
-                              <p:cond delay="0"/>
-                            </p:stCondLst>
-                            <p:childTnLst>
-                              <p:par>
-                                <p:cTn id="49" presetID="0" presetClass="path" presetSubtype="0" accel="50000" decel="50000" fill="hold" nodeType="clickEffect">
-                                  <p:stCondLst>
-                                    <p:cond delay="0"/>
-                                  </p:stCondLst>
-                                  <p:childTnLst>
-                                    <p:animMotion origin="layout" path="M -0.0164 -0.01598 L -0.29544 -0.01505 " pathEditMode="relative" rAng="0" ptsTypes="AA">
-                                      <p:cBhvr>
-                                        <p:cTn id="50" dur="2000" fill="hold"/>
-                                        <p:tgtEl>
-                                          <p:spTgt spid="7"/>
-                                        </p:tgtEl>
-                                        <p:attrNameLst>
-                                          <p:attrName>ppt_x</p:attrName>
-                                          <p:attrName>ppt_y</p:attrName>
-                                        </p:attrNameLst>
-                                      </p:cBhvr>
-                                      <p:rCtr x="-13958" y="46"/>
-                                    </p:animMotion>
-                                  </p:childTnLst>
-                                </p:cTn>
-                              </p:par>
-                            </p:childTnLst>
-                          </p:cTn>
-                        </p:par>
-                      </p:childTnLst>
-                    </p:cTn>
-                  </p:par>
-                  <p:par>
-                    <p:cTn id="51" fill="hold">
-                      <p:stCondLst>
-                        <p:cond delay="indefinite"/>
-                      </p:stCondLst>
-                      <p:childTnLst>
-                        <p:par>
-                          <p:cTn id="52" fill="hold">
-                            <p:stCondLst>
-                              <p:cond delay="0"/>
-                            </p:stCondLst>
-                            <p:childTnLst>
-                              <p:par>
-                                <p:cTn id="53" presetID="6" presetClass="emph" presetSubtype="0" fill="hold" nodeType="clickEffect">
-                                  <p:stCondLst>
-                                    <p:cond delay="0"/>
-                                  </p:stCondLst>
-                                  <p:childTnLst>
-                                    <p:animScale>
-                                      <p:cBhvr>
-                                        <p:cTn id="54" dur="250" fill="hold"/>
-                                        <p:tgtEl>
-                                          <p:spTgt spid="7"/>
-                                        </p:tgtEl>
-                                      </p:cBhvr>
-                                      <p:by x="200000" y="200000"/>
-                                    </p:animScale>
-                                  </p:childTnLst>
-                                </p:cTn>
-                              </p:par>
-                            </p:childTnLst>
-                          </p:cTn>
-                        </p:par>
-                      </p:childTnLst>
-                    </p:cTn>
-                  </p:par>
-                  <p:par>
-                    <p:cTn id="55" fill="hold">
-                      <p:stCondLst>
-                        <p:cond delay="indefinite"/>
-                      </p:stCondLst>
-                      <p:childTnLst>
-                        <p:par>
-                          <p:cTn id="56" fill="hold">
-                            <p:stCondLst>
-                              <p:cond delay="0"/>
-                            </p:stCondLst>
-                            <p:childTnLst>
-                              <p:par>
-                                <p:cTn id="57" presetID="31" presetClass="exit" presetSubtype="0" fill="hold" nodeType="clickEffect">
-                                  <p:stCondLst>
-                                    <p:cond delay="0"/>
-                                  </p:stCondLst>
-                                  <p:childTnLst>
-                                    <p:anim calcmode="lin" valueType="num">
-                                      <p:cBhvr>
-                                        <p:cTn id="58" dur="1000"/>
-                                        <p:tgtEl>
-                                          <p:spTgt spid="7"/>
-                                        </p:tgtEl>
-                                        <p:attrNameLst>
-                                          <p:attrName>ppt_w</p:attrName>
-                                        </p:attrNameLst>
-                                      </p:cBhvr>
-                                      <p:tavLst>
-                                        <p:tav tm="0">
-                                          <p:val>
-                                            <p:strVal val="ppt_w"/>
-                                          </p:val>
-                                        </p:tav>
-                                        <p:tav tm="100000">
-                                          <p:val>
-                                            <p:fltVal val="0"/>
-                                          </p:val>
-                                        </p:tav>
-                                      </p:tavLst>
-                                    </p:anim>
-                                    <p:anim calcmode="lin" valueType="num">
-                                      <p:cBhvr>
-                                        <p:cTn id="59" dur="1000"/>
-                                        <p:tgtEl>
-                                          <p:spTgt spid="7"/>
-                                        </p:tgtEl>
-                                        <p:attrNameLst>
-                                          <p:attrName>ppt_h</p:attrName>
-                                        </p:attrNameLst>
-                                      </p:cBhvr>
-                                      <p:tavLst>
-                                        <p:tav tm="0">
-                                          <p:val>
-                                            <p:strVal val="ppt_h"/>
-                                          </p:val>
-                                        </p:tav>
-                                        <p:tav tm="100000">
-                                          <p:val>
-                                            <p:fltVal val="0"/>
-                                          </p:val>
-                                        </p:tav>
-                                      </p:tavLst>
-                                    </p:anim>
-                                    <p:anim calcmode="lin" valueType="num">
-                                      <p:cBhvr>
-                                        <p:cTn id="60" dur="1000"/>
-                                        <p:tgtEl>
-                                          <p:spTgt spid="7"/>
-                                        </p:tgtEl>
-                                        <p:attrNameLst>
-                                          <p:attrName>style.rotation</p:attrName>
-                                        </p:attrNameLst>
-                                      </p:cBhvr>
-                                      <p:tavLst>
-                                        <p:tav tm="0">
-                                          <p:val>
-                                            <p:fltVal val="0"/>
-                                          </p:val>
-                                        </p:tav>
-                                        <p:tav tm="100000">
-                                          <p:val>
-                                            <p:fltVal val="90"/>
-                                          </p:val>
-                                        </p:tav>
-                                      </p:tavLst>
-                                    </p:anim>
-                                    <p:animEffect transition="out" filter="fade">
-                                      <p:cBhvr>
-                                        <p:cTn id="61" dur="1000"/>
-                                        <p:tgtEl>
-                                          <p:spTgt spid="7"/>
-                                        </p:tgtEl>
-                                      </p:cBhvr>
-                                    </p:animEffect>
-                                    <p:set>
-                                      <p:cBhvr>
-                                        <p:cTn id="62" dur="1" fill="hold">
-                                          <p:stCondLst>
-                                            <p:cond delay="999"/>
-                                          </p:stCondLst>
-                                        </p:cTn>
-                                        <p:tgtEl>
-                                          <p:spTgt spid="7"/>
-                                        </p:tgtEl>
-                                        <p:attrNameLst>
-                                          <p:attrName>style.visibility</p:attrName>
-                                        </p:attrNameLst>
-                                      </p:cBhvr>
-                                      <p:to>
-                                        <p:strVal val="hidden"/>
-                                      </p:to>
-                                    </p:set>
-                                  </p:childTnLst>
-                                </p:cTn>
-                              </p:par>
-                            </p:childTnLst>
-                          </p:cTn>
-                        </p:par>
-                      </p:childTnLst>
-                    </p:cTn>
-                  </p:par>
-                </p:childTnLst>
-              </p:cTn>
-              <p:prevCondLst>
-                <p:cond evt="onPrev" delay="0">
-                  <p:tgtEl>
-                    <p:sldTgt/>
-                  </p:tgtEl>
-                </p:cond>
-              </p:prevCondLst>
-              <p:nextCondLst>
-                <p:cond evt="onNext" delay="0">
-                  <p:tgtEl>
-                    <p:sldTgt/>
-                  </p:tgtEl>
-                </p:cond>
-              </p:nextCondLst>
-            </p:seq>
-          </p:childTnLst>
-        </p:cTn>
-      </p:par>
-    </p:tnLst>
-  </p:timing>
 </p:sld>
 </file>
 
@@ -4908,7 +4381,7 @@
         <p:spPr>
           <a:xfrm>
             <a:off x="1166191" y="463826"/>
-            <a:ext cx="9965635" cy="4555093"/>
+            <a:ext cx="9965635" cy="5016758"/>
           </a:xfrm>
           <a:prstGeom prst="rect">
             <a:avLst/>
@@ -4936,7 +4409,7 @@
                 <a:ea typeface="Arial" charset="0"/>
                 <a:cs typeface="Arial" charset="0"/>
               </a:rPr>
-              <a:t>- Break up cantonal boarders</a:t>
+              <a:t>- Power suppliers lose monopolistic positions</a:t>
             </a:r>
           </a:p>
           <a:p>
@@ -4946,7 +4419,7 @@
                 <a:ea typeface="Arial" charset="0"/>
                 <a:cs typeface="Arial" charset="0"/>
               </a:rPr>
-              <a:t>- Energy token enables new trading options</a:t>
+              <a:t>- P2P trading without (cantonal) borders</a:t>
             </a:r>
           </a:p>
           <a:p>
@@ -4956,7 +4429,27 @@
                 <a:ea typeface="Arial" charset="0"/>
                 <a:cs typeface="Arial" charset="0"/>
               </a:rPr>
-              <a:t>- </a:t>
+              <a:t>- DAO acts as a very efficient self growing system</a:t>
+            </a:r>
+          </a:p>
+          <a:p>
+            <a:r>
+              <a:rPr lang="en-US" sz="3000" dirty="0">
+                <a:latin typeface="Arial" charset="0"/>
+                <a:ea typeface="Arial" charset="0"/>
+                <a:cs typeface="Arial" charset="0"/>
+              </a:rPr>
+              <a:t>- DAO acts as a virtual power plant for power suppliers</a:t>
+            </a:r>
+          </a:p>
+          <a:p>
+            <a:r>
+              <a:rPr lang="en-US" sz="3000" dirty="0">
+                <a:latin typeface="Arial" charset="0"/>
+                <a:ea typeface="Arial" charset="0"/>
+                <a:cs typeface="Arial" charset="0"/>
+              </a:rPr>
+              <a:t>- EWZ = Participant in DAO + grid, </a:t>
             </a:r>
             <a:r>
               <a:rPr lang="en-US" sz="3000" dirty="0" err="1">
@@ -4964,7 +4457,7 @@
                 <a:ea typeface="Arial" charset="0"/>
                 <a:cs typeface="Arial" charset="0"/>
               </a:rPr>
-              <a:t>Amplyfing</a:t>
+              <a:t>pv</a:t>
             </a:r>
             <a:r>
               <a:rPr lang="en-US" sz="3000" dirty="0">
@@ -4972,44 +4465,8 @@
                 <a:ea typeface="Arial" charset="0"/>
                 <a:cs typeface="Arial" charset="0"/>
               </a:rPr>
-              <a:t> with </a:t>
-            </a:r>
-            <a:r>
-              <a:rPr lang="en-US" sz="3000" dirty="0" err="1">
-                <a:latin typeface="Arial" charset="0"/>
-                <a:ea typeface="Arial" charset="0"/>
-                <a:cs typeface="Arial" charset="0"/>
-              </a:rPr>
-              <a:t>subsidees</a:t>
-            </a:r>
-            <a:endParaRPr lang="en-US" sz="3000" dirty="0">
-              <a:latin typeface="Arial" charset="0"/>
-              <a:ea typeface="Arial" charset="0"/>
-              <a:cs typeface="Arial" charset="0"/>
-            </a:endParaRPr>
-          </a:p>
-          <a:p>
-            <a:r>
-              <a:rPr lang="en-US" sz="3000" dirty="0">
-                <a:latin typeface="Arial" charset="0"/>
-                <a:ea typeface="Arial" charset="0"/>
-                <a:cs typeface="Arial" charset="0"/>
-              </a:rPr>
-              <a:t>- Could make energy trading for EWZ </a:t>
-            </a:r>
-            <a:r>
-              <a:rPr lang="en-US" sz="3000" dirty="0" err="1">
-                <a:latin typeface="Arial" charset="0"/>
-                <a:ea typeface="Arial" charset="0"/>
-                <a:cs typeface="Arial" charset="0"/>
-              </a:rPr>
-              <a:t>obolate</a:t>
-            </a:r>
-            <a:endParaRPr lang="en-US" sz="3000" dirty="0">
-              <a:latin typeface="Arial" charset="0"/>
-              <a:ea typeface="Arial" charset="0"/>
-              <a:cs typeface="Arial" charset="0"/>
-            </a:endParaRPr>
+              <a:t>, meter provider</a:t>
+            </a:r>
           </a:p>
           <a:p>
             <a:pPr marL="1143000" lvl="1" indent="-685800">
@@ -5039,49 +4496,17 @@
                 <a:ea typeface="Arial" charset="0"/>
                 <a:cs typeface="Arial" charset="0"/>
               </a:rPr>
-              <a:t>- Smart meters and information </a:t>
-            </a:r>
-            <a:r>
-              <a:rPr lang="en-US" sz="3000" dirty="0" err="1">
-                <a:latin typeface="Arial" charset="0"/>
-                <a:ea typeface="Arial" charset="0"/>
-                <a:cs typeface="Arial" charset="0"/>
-              </a:rPr>
-              <a:t>tranfer</a:t>
-            </a:r>
+              <a:t>- Secure smart meters and information transfer</a:t>
+            </a:r>
+          </a:p>
+          <a:p>
             <a:r>
               <a:rPr lang="en-US" sz="3000" dirty="0">
                 <a:latin typeface="Arial" charset="0"/>
                 <a:ea typeface="Arial" charset="0"/>
                 <a:cs typeface="Arial" charset="0"/>
               </a:rPr>
-              <a:t> needs secure</a:t>
-            </a:r>
-          </a:p>
-          <a:p>
-            <a:r>
-              <a:rPr lang="en-US" sz="3000" dirty="0">
-                <a:latin typeface="Arial" charset="0"/>
-                <a:ea typeface="Arial" charset="0"/>
-                <a:cs typeface="Arial" charset="0"/>
-              </a:rPr>
-              <a:t>- Legal uncertainty (</a:t>
-            </a:r>
-            <a:r>
-              <a:rPr lang="en-US" sz="3000" dirty="0" err="1">
-                <a:latin typeface="Arial" charset="0"/>
-                <a:ea typeface="Arial" charset="0"/>
-                <a:cs typeface="Arial" charset="0"/>
-              </a:rPr>
-              <a:t>Certificats</a:t>
-            </a:r>
-            <a:r>
-              <a:rPr lang="en-US" sz="3000" dirty="0">
-                <a:latin typeface="Arial" charset="0"/>
-                <a:ea typeface="Arial" charset="0"/>
-                <a:cs typeface="Arial" charset="0"/>
-              </a:rPr>
-              <a:t>,..)</a:t>
+              <a:t>- Legal uncertainty (Certificates,..)</a:t>
             </a:r>
           </a:p>
         </p:txBody>
